--- a/展示报告.pptx
+++ b/展示报告.pptx
@@ -5,7 +5,7 @@
     <p:sldMasterId id="2147483648" r:id="rId1"/>
   </p:sldMasterIdLst>
   <p:notesMasterIdLst>
-    <p:notesMasterId r:id="rId31"/>
+    <p:notesMasterId r:id="rId23"/>
   </p:notesMasterIdLst>
   <p:sldIdLst>
     <p:sldId id="278" r:id="rId2"/>
@@ -25,18 +25,10 @@
     <p:sldId id="261" r:id="rId16"/>
     <p:sldId id="262" r:id="rId17"/>
     <p:sldId id="280" r:id="rId18"/>
-    <p:sldId id="283" r:id="rId19"/>
-    <p:sldId id="287" r:id="rId20"/>
-    <p:sldId id="281" r:id="rId21"/>
-    <p:sldId id="282" r:id="rId22"/>
-    <p:sldId id="288" r:id="rId23"/>
-    <p:sldId id="284" r:id="rId24"/>
-    <p:sldId id="286" r:id="rId25"/>
-    <p:sldId id="285" r:id="rId26"/>
-    <p:sldId id="256" r:id="rId27"/>
-    <p:sldId id="291" r:id="rId28"/>
-    <p:sldId id="257" r:id="rId29"/>
-    <p:sldId id="290" r:id="rId30"/>
+    <p:sldId id="256" r:id="rId19"/>
+    <p:sldId id="291" r:id="rId20"/>
+    <p:sldId id="257" r:id="rId21"/>
+    <p:sldId id="290" r:id="rId22"/>
   </p:sldIdLst>
   <p:sldSz cx="12192000" cy="6858000"/>
   <p:notesSz cx="6858000" cy="9144000"/>
@@ -225,7 +217,7 @@
           <a:p>
             <a:fld id="{583806E3-4A99-4DD2-AB85-EF2CB4AA3C20}" type="datetimeFigureOut">
               <a:rPr lang="zh-CN" altLang="en-US" smtClean="0"/>
-              <a:t>2020/12/14</a:t>
+              <a:t>2020/12/17</a:t>
             </a:fld>
             <a:endParaRPr lang="zh-CN" altLang="en-US"/>
           </a:p>
@@ -705,7 +697,7 @@
           <a:p>
             <a:fld id="{6B83D6DB-736E-447A-91FB-8E18059BAF4F}" type="datetimeFigureOut">
               <a:rPr lang="zh-CN" altLang="en-US" smtClean="0"/>
-              <a:t>2020/12/14</a:t>
+              <a:t>2020/12/17</a:t>
             </a:fld>
             <a:endParaRPr lang="zh-CN" altLang="en-US"/>
           </a:p>
@@ -873,7 +865,7 @@
           <a:p>
             <a:fld id="{6B83D6DB-736E-447A-91FB-8E18059BAF4F}" type="datetimeFigureOut">
               <a:rPr lang="zh-CN" altLang="en-US" smtClean="0"/>
-              <a:t>2020/12/14</a:t>
+              <a:t>2020/12/17</a:t>
             </a:fld>
             <a:endParaRPr lang="zh-CN" altLang="en-US"/>
           </a:p>
@@ -1051,7 +1043,7 @@
           <a:p>
             <a:fld id="{6B83D6DB-736E-447A-91FB-8E18059BAF4F}" type="datetimeFigureOut">
               <a:rPr lang="zh-CN" altLang="en-US" smtClean="0"/>
-              <a:t>2020/12/14</a:t>
+              <a:t>2020/12/17</a:t>
             </a:fld>
             <a:endParaRPr lang="zh-CN" altLang="en-US"/>
           </a:p>
@@ -1219,7 +1211,7 @@
           <a:p>
             <a:fld id="{6B83D6DB-736E-447A-91FB-8E18059BAF4F}" type="datetimeFigureOut">
               <a:rPr lang="zh-CN" altLang="en-US" smtClean="0"/>
-              <a:t>2020/12/14</a:t>
+              <a:t>2020/12/17</a:t>
             </a:fld>
             <a:endParaRPr lang="zh-CN" altLang="en-US"/>
           </a:p>
@@ -1464,7 +1456,7 @@
           <a:p>
             <a:fld id="{6B83D6DB-736E-447A-91FB-8E18059BAF4F}" type="datetimeFigureOut">
               <a:rPr lang="zh-CN" altLang="en-US" smtClean="0"/>
-              <a:t>2020/12/14</a:t>
+              <a:t>2020/12/17</a:t>
             </a:fld>
             <a:endParaRPr lang="zh-CN" altLang="en-US"/>
           </a:p>
@@ -1693,7 +1685,7 @@
           <a:p>
             <a:fld id="{6B83D6DB-736E-447A-91FB-8E18059BAF4F}" type="datetimeFigureOut">
               <a:rPr lang="zh-CN" altLang="en-US" smtClean="0"/>
-              <a:t>2020/12/14</a:t>
+              <a:t>2020/12/17</a:t>
             </a:fld>
             <a:endParaRPr lang="zh-CN" altLang="en-US"/>
           </a:p>
@@ -2057,7 +2049,7 @@
           <a:p>
             <a:fld id="{6B83D6DB-736E-447A-91FB-8E18059BAF4F}" type="datetimeFigureOut">
               <a:rPr lang="zh-CN" altLang="en-US" smtClean="0"/>
-              <a:t>2020/12/14</a:t>
+              <a:t>2020/12/17</a:t>
             </a:fld>
             <a:endParaRPr lang="zh-CN" altLang="en-US"/>
           </a:p>
@@ -2174,7 +2166,7 @@
           <a:p>
             <a:fld id="{6B83D6DB-736E-447A-91FB-8E18059BAF4F}" type="datetimeFigureOut">
               <a:rPr lang="zh-CN" altLang="en-US" smtClean="0"/>
-              <a:t>2020/12/14</a:t>
+              <a:t>2020/12/17</a:t>
             </a:fld>
             <a:endParaRPr lang="zh-CN" altLang="en-US"/>
           </a:p>
@@ -2269,7 +2261,7 @@
           <a:p>
             <a:fld id="{6B83D6DB-736E-447A-91FB-8E18059BAF4F}" type="datetimeFigureOut">
               <a:rPr lang="zh-CN" altLang="en-US" smtClean="0"/>
-              <a:t>2020/12/14</a:t>
+              <a:t>2020/12/17</a:t>
             </a:fld>
             <a:endParaRPr lang="zh-CN" altLang="en-US"/>
           </a:p>
@@ -2544,7 +2536,7 @@
           <a:p>
             <a:fld id="{6B83D6DB-736E-447A-91FB-8E18059BAF4F}" type="datetimeFigureOut">
               <a:rPr lang="zh-CN" altLang="en-US" smtClean="0"/>
-              <a:t>2020/12/14</a:t>
+              <a:t>2020/12/17</a:t>
             </a:fld>
             <a:endParaRPr lang="zh-CN" altLang="en-US"/>
           </a:p>
@@ -2796,7 +2788,7 @@
           <a:p>
             <a:fld id="{6B83D6DB-736E-447A-91FB-8E18059BAF4F}" type="datetimeFigureOut">
               <a:rPr lang="zh-CN" altLang="en-US" smtClean="0"/>
-              <a:t>2020/12/14</a:t>
+              <a:t>2020/12/17</a:t>
             </a:fld>
             <a:endParaRPr lang="zh-CN" altLang="en-US"/>
           </a:p>
@@ -3007,7 +2999,7 @@
           <a:p>
             <a:fld id="{6B83D6DB-736E-447A-91FB-8E18059BAF4F}" type="datetimeFigureOut">
               <a:rPr lang="zh-CN" altLang="en-US" smtClean="0"/>
-              <a:t>2020/12/14</a:t>
+              <a:t>2020/12/17</a:t>
             </a:fld>
             <a:endParaRPr lang="zh-CN" altLang="en-US"/>
           </a:p>
@@ -5585,12 +5577,18 @@
       </p:grpSpPr>
       <p:sp>
         <p:nvSpPr>
-          <p:cNvPr id="2" name="标题 1"/>
-          <p:cNvSpPr>
-            <a:spLocks noGrp="1"/>
-          </p:cNvSpPr>
-          <p:nvPr>
-            <p:ph type="title"/>
+          <p:cNvPr id="2" name="标题 1">
+            <a:extLst>
+              <a:ext uri="{FF2B5EF4-FFF2-40B4-BE49-F238E27FC236}">
+                <a16:creationId xmlns:a16="http://schemas.microsoft.com/office/drawing/2014/main" id="{BF1B26DB-671B-7244-8F98-C5610983D25A}"/>
+              </a:ext>
+            </a:extLst>
+          </p:cNvPr>
+          <p:cNvSpPr>
+            <a:spLocks noGrp="1"/>
+          </p:cNvSpPr>
+          <p:nvPr>
+            <p:ph type="ctrTitle"/>
           </p:nvPr>
         </p:nvSpPr>
         <p:spPr/>
@@ -5599,42 +5597,45 @@
           <a:lstStyle/>
           <a:p>
             <a:r>
-              <a:rPr lang="zh-CN" altLang="en-US" dirty="0"/>
-              <a:t>登陆页面</a:t>
-            </a:r>
-          </a:p>
-        </p:txBody>
-      </p:sp>
-      <p:pic>
-        <p:nvPicPr>
-          <p:cNvPr id="4" name="内容占位符 3"/>
-          <p:cNvPicPr>
-            <a:picLocks noGrp="1" noChangeAspect="1"/>
-          </p:cNvPicPr>
-          <p:nvPr>
-            <p:ph idx="1"/>
-          </p:nvPr>
-        </p:nvPicPr>
-        <p:blipFill>
-          <a:blip r:embed="rId2"/>
-          <a:stretch>
-            <a:fillRect/>
-          </a:stretch>
-        </p:blipFill>
-        <p:spPr>
-          <a:xfrm>
-            <a:off x="1340078" y="1825625"/>
-            <a:ext cx="9511843" cy="4351338"/>
-          </a:xfrm>
-          <a:prstGeom prst="rect">
-            <a:avLst/>
-          </a:prstGeom>
-        </p:spPr>
-      </p:pic>
+              <a:rPr kumimoji="1" lang="en-US" altLang="zh-CN" dirty="0"/>
+              <a:t>4. </a:t>
+            </a:r>
+            <a:r>
+              <a:rPr kumimoji="1" lang="zh-CN" altLang="en-US" dirty="0"/>
+              <a:t>系统展示</a:t>
+            </a:r>
+          </a:p>
+        </p:txBody>
+      </p:sp>
+      <p:sp>
+        <p:nvSpPr>
+          <p:cNvPr id="3" name="副标题 2">
+            <a:extLst>
+              <a:ext uri="{FF2B5EF4-FFF2-40B4-BE49-F238E27FC236}">
+                <a16:creationId xmlns:a16="http://schemas.microsoft.com/office/drawing/2014/main" id="{B69B3B90-3B45-CB47-8136-D5DAF5487962}"/>
+              </a:ext>
+            </a:extLst>
+          </p:cNvPr>
+          <p:cNvSpPr>
+            <a:spLocks noGrp="1"/>
+          </p:cNvSpPr>
+          <p:nvPr>
+            <p:ph type="subTitle" idx="1"/>
+          </p:nvPr>
+        </p:nvSpPr>
+        <p:spPr/>
+        <p:txBody>
+          <a:bodyPr/>
+          <a:lstStyle/>
+          <a:p>
+            <a:endParaRPr kumimoji="1" lang="zh-CN" altLang="en-US" dirty="0"/>
+          </a:p>
+        </p:txBody>
+      </p:sp>
     </p:spTree>
     <p:extLst>
       <p:ext uri="{BB962C8B-B14F-4D97-AF65-F5344CB8AC3E}">
-        <p14:creationId xmlns:p14="http://schemas.microsoft.com/office/powerpoint/2010/main" val="831816404"/>
+        <p14:creationId xmlns:p14="http://schemas.microsoft.com/office/powerpoint/2010/main" val="3278635650"/>
       </p:ext>
     </p:extLst>
   </p:cSld>
@@ -5663,12 +5664,18 @@
       </p:grpSpPr>
       <p:sp>
         <p:nvSpPr>
-          <p:cNvPr id="2" name="标题 1"/>
-          <p:cNvSpPr>
-            <a:spLocks noGrp="1"/>
-          </p:cNvSpPr>
-          <p:nvPr>
-            <p:ph type="title"/>
+          <p:cNvPr id="2" name="标题 1">
+            <a:extLst>
+              <a:ext uri="{FF2B5EF4-FFF2-40B4-BE49-F238E27FC236}">
+                <a16:creationId xmlns:a16="http://schemas.microsoft.com/office/drawing/2014/main" id="{BF1B26DB-671B-7244-8F98-C5610983D25A}"/>
+              </a:ext>
+            </a:extLst>
+          </p:cNvPr>
+          <p:cNvSpPr>
+            <a:spLocks noGrp="1"/>
+          </p:cNvSpPr>
+          <p:nvPr>
+            <p:ph type="ctrTitle"/>
           </p:nvPr>
         </p:nvSpPr>
         <p:spPr/>
@@ -5677,42 +5684,45 @@
           <a:lstStyle/>
           <a:p>
             <a:r>
-              <a:rPr lang="zh-CN" altLang="en-US" dirty="0"/>
-              <a:t>创建新用户页面</a:t>
-            </a:r>
-          </a:p>
-        </p:txBody>
-      </p:sp>
-      <p:pic>
-        <p:nvPicPr>
-          <p:cNvPr id="4" name="内容占位符 3"/>
-          <p:cNvPicPr>
-            <a:picLocks noGrp="1" noChangeAspect="1"/>
-          </p:cNvPicPr>
-          <p:nvPr>
-            <p:ph idx="1"/>
-          </p:nvPr>
-        </p:nvPicPr>
-        <p:blipFill>
-          <a:blip r:embed="rId2"/>
-          <a:stretch>
-            <a:fillRect/>
-          </a:stretch>
-        </p:blipFill>
-        <p:spPr>
-          <a:xfrm>
-            <a:off x="852547" y="1825625"/>
-            <a:ext cx="10486906" cy="4351338"/>
-          </a:xfrm>
-          <a:prstGeom prst="rect">
-            <a:avLst/>
-          </a:prstGeom>
-        </p:spPr>
-      </p:pic>
+              <a:rPr kumimoji="1" lang="en-US" altLang="zh-CN" dirty="0"/>
+              <a:t>5. </a:t>
+            </a:r>
+            <a:r>
+              <a:rPr kumimoji="1" lang="zh-CN" altLang="en-US" dirty="0"/>
+              <a:t>收获与体会</a:t>
+            </a:r>
+          </a:p>
+        </p:txBody>
+      </p:sp>
+      <p:sp>
+        <p:nvSpPr>
+          <p:cNvPr id="3" name="副标题 2">
+            <a:extLst>
+              <a:ext uri="{FF2B5EF4-FFF2-40B4-BE49-F238E27FC236}">
+                <a16:creationId xmlns:a16="http://schemas.microsoft.com/office/drawing/2014/main" id="{B69B3B90-3B45-CB47-8136-D5DAF5487962}"/>
+              </a:ext>
+            </a:extLst>
+          </p:cNvPr>
+          <p:cNvSpPr>
+            <a:spLocks noGrp="1"/>
+          </p:cNvSpPr>
+          <p:nvPr>
+            <p:ph type="subTitle" idx="1"/>
+          </p:nvPr>
+        </p:nvSpPr>
+        <p:spPr/>
+        <p:txBody>
+          <a:bodyPr/>
+          <a:lstStyle/>
+          <a:p>
+            <a:endParaRPr kumimoji="1" lang="zh-CN" altLang="en-US" dirty="0"/>
+          </a:p>
+        </p:txBody>
+      </p:sp>
     </p:spTree>
     <p:extLst>
       <p:ext uri="{BB962C8B-B14F-4D97-AF65-F5344CB8AC3E}">
-        <p14:creationId xmlns:p14="http://schemas.microsoft.com/office/powerpoint/2010/main" val="3203827789"/>
+        <p14:creationId xmlns:p14="http://schemas.microsoft.com/office/powerpoint/2010/main" val="4244377021"/>
       </p:ext>
     </p:extLst>
   </p:cSld>
@@ -5802,647 +5812,6 @@
       </p:grpSpPr>
       <p:sp>
         <p:nvSpPr>
-          <p:cNvPr id="2" name="标题 1"/>
-          <p:cNvSpPr>
-            <a:spLocks noGrp="1"/>
-          </p:cNvSpPr>
-          <p:nvPr>
-            <p:ph type="title"/>
-          </p:nvPr>
-        </p:nvSpPr>
-        <p:spPr/>
-        <p:txBody>
-          <a:bodyPr/>
-          <a:lstStyle/>
-          <a:p>
-            <a:r>
-              <a:rPr lang="zh-CN" altLang="en-US" dirty="0"/>
-              <a:t>主页（管理员）</a:t>
-            </a:r>
-          </a:p>
-        </p:txBody>
-      </p:sp>
-      <p:pic>
-        <p:nvPicPr>
-          <p:cNvPr id="4" name="内容占位符 3"/>
-          <p:cNvPicPr>
-            <a:picLocks noGrp="1" noChangeAspect="1"/>
-          </p:cNvPicPr>
-          <p:nvPr>
-            <p:ph idx="1"/>
-          </p:nvPr>
-        </p:nvPicPr>
-        <p:blipFill rotWithShape="1">
-          <a:blip r:embed="rId2"/>
-          <a:srcRect b="14428"/>
-          <a:stretch/>
-        </p:blipFill>
-        <p:spPr>
-          <a:xfrm>
-            <a:off x="1471700" y="1825625"/>
-            <a:ext cx="9248600" cy="3723528"/>
-          </a:xfrm>
-          <a:prstGeom prst="rect">
-            <a:avLst/>
-          </a:prstGeom>
-        </p:spPr>
-      </p:pic>
-    </p:spTree>
-    <p:extLst>
-      <p:ext uri="{BB962C8B-B14F-4D97-AF65-F5344CB8AC3E}">
-        <p14:creationId xmlns:p14="http://schemas.microsoft.com/office/powerpoint/2010/main" val="4012345190"/>
-      </p:ext>
-    </p:extLst>
-  </p:cSld>
-  <p:clrMapOvr>
-    <a:masterClrMapping/>
-  </p:clrMapOvr>
-</p:sld>
-</file>
-
-<file path=ppt/slides/slide21.xml><?xml version="1.0" encoding="utf-8"?>
-<p:sld xmlns:a="http://schemas.openxmlformats.org/drawingml/2006/main" xmlns:r="http://schemas.openxmlformats.org/officeDocument/2006/relationships" xmlns:p="http://schemas.openxmlformats.org/presentationml/2006/main">
-  <p:cSld>
-    <p:spTree>
-      <p:nvGrpSpPr>
-        <p:cNvPr id="1" name=""/>
-        <p:cNvGrpSpPr/>
-        <p:nvPr/>
-      </p:nvGrpSpPr>
-      <p:grpSpPr>
-        <a:xfrm>
-          <a:off x="0" y="0"/>
-          <a:ext cx="0" cy="0"/>
-          <a:chOff x="0" y="0"/>
-          <a:chExt cx="0" cy="0"/>
-        </a:xfrm>
-      </p:grpSpPr>
-      <p:sp>
-        <p:nvSpPr>
-          <p:cNvPr id="2" name="标题 1"/>
-          <p:cNvSpPr>
-            <a:spLocks noGrp="1"/>
-          </p:cNvSpPr>
-          <p:nvPr>
-            <p:ph type="title"/>
-          </p:nvPr>
-        </p:nvSpPr>
-        <p:spPr/>
-        <p:txBody>
-          <a:bodyPr/>
-          <a:lstStyle/>
-          <a:p>
-            <a:r>
-              <a:rPr lang="zh-CN" altLang="en-US" dirty="0"/>
-              <a:t>主页（普通用户）</a:t>
-            </a:r>
-          </a:p>
-        </p:txBody>
-      </p:sp>
-      <p:pic>
-        <p:nvPicPr>
-          <p:cNvPr id="4" name="内容占位符 3"/>
-          <p:cNvPicPr>
-            <a:picLocks noGrp="1" noChangeAspect="1"/>
-          </p:cNvPicPr>
-          <p:nvPr>
-            <p:ph idx="1"/>
-          </p:nvPr>
-        </p:nvPicPr>
-        <p:blipFill>
-          <a:blip r:embed="rId2"/>
-          <a:stretch>
-            <a:fillRect/>
-          </a:stretch>
-        </p:blipFill>
-        <p:spPr>
-          <a:xfrm>
-            <a:off x="838200" y="1856185"/>
-            <a:ext cx="10515600" cy="4290218"/>
-          </a:xfrm>
-          <a:prstGeom prst="rect">
-            <a:avLst/>
-          </a:prstGeom>
-        </p:spPr>
-      </p:pic>
-    </p:spTree>
-    <p:extLst>
-      <p:ext uri="{BB962C8B-B14F-4D97-AF65-F5344CB8AC3E}">
-        <p14:creationId xmlns:p14="http://schemas.microsoft.com/office/powerpoint/2010/main" val="2826671168"/>
-      </p:ext>
-    </p:extLst>
-  </p:cSld>
-  <p:clrMapOvr>
-    <a:masterClrMapping/>
-  </p:clrMapOvr>
-</p:sld>
-</file>
-
-<file path=ppt/slides/slide22.xml><?xml version="1.0" encoding="utf-8"?>
-<p:sld xmlns:a="http://schemas.openxmlformats.org/drawingml/2006/main" xmlns:r="http://schemas.openxmlformats.org/officeDocument/2006/relationships" xmlns:p="http://schemas.openxmlformats.org/presentationml/2006/main">
-  <p:cSld>
-    <p:spTree>
-      <p:nvGrpSpPr>
-        <p:cNvPr id="1" name=""/>
-        <p:cNvGrpSpPr/>
-        <p:nvPr/>
-      </p:nvGrpSpPr>
-      <p:grpSpPr>
-        <a:xfrm>
-          <a:off x="0" y="0"/>
-          <a:ext cx="0" cy="0"/>
-          <a:chOff x="0" y="0"/>
-          <a:chExt cx="0" cy="0"/>
-        </a:xfrm>
-      </p:grpSpPr>
-      <p:sp>
-        <p:nvSpPr>
-          <p:cNvPr id="2" name="标题 1"/>
-          <p:cNvSpPr>
-            <a:spLocks noGrp="1"/>
-          </p:cNvSpPr>
-          <p:nvPr>
-            <p:ph type="title"/>
-          </p:nvPr>
-        </p:nvSpPr>
-        <p:spPr/>
-        <p:txBody>
-          <a:bodyPr/>
-          <a:lstStyle/>
-          <a:p>
-            <a:r>
-              <a:rPr lang="zh-CN" altLang="en-US" dirty="0"/>
-              <a:t>查询页（管理员）</a:t>
-            </a:r>
-          </a:p>
-        </p:txBody>
-      </p:sp>
-      <p:pic>
-        <p:nvPicPr>
-          <p:cNvPr id="4" name="内容占位符 3"/>
-          <p:cNvPicPr>
-            <a:picLocks noGrp="1" noChangeAspect="1"/>
-          </p:cNvPicPr>
-          <p:nvPr>
-            <p:ph idx="1"/>
-          </p:nvPr>
-        </p:nvPicPr>
-        <p:blipFill>
-          <a:blip r:embed="rId2"/>
-          <a:stretch>
-            <a:fillRect/>
-          </a:stretch>
-        </p:blipFill>
-        <p:spPr>
-          <a:xfrm>
-            <a:off x="1055029" y="1825625"/>
-            <a:ext cx="10081941" cy="4351338"/>
-          </a:xfrm>
-          <a:prstGeom prst="rect">
-            <a:avLst/>
-          </a:prstGeom>
-        </p:spPr>
-      </p:pic>
-    </p:spTree>
-    <p:extLst>
-      <p:ext uri="{BB962C8B-B14F-4D97-AF65-F5344CB8AC3E}">
-        <p14:creationId xmlns:p14="http://schemas.microsoft.com/office/powerpoint/2010/main" val="3456367917"/>
-      </p:ext>
-    </p:extLst>
-  </p:cSld>
-  <p:clrMapOvr>
-    <a:masterClrMapping/>
-  </p:clrMapOvr>
-</p:sld>
-</file>
-
-<file path=ppt/slides/slide23.xml><?xml version="1.0" encoding="utf-8"?>
-<p:sld xmlns:a="http://schemas.openxmlformats.org/drawingml/2006/main" xmlns:r="http://schemas.openxmlformats.org/officeDocument/2006/relationships" xmlns:p="http://schemas.openxmlformats.org/presentationml/2006/main">
-  <p:cSld>
-    <p:spTree>
-      <p:nvGrpSpPr>
-        <p:cNvPr id="1" name=""/>
-        <p:cNvGrpSpPr/>
-        <p:nvPr/>
-      </p:nvGrpSpPr>
-      <p:grpSpPr>
-        <a:xfrm>
-          <a:off x="0" y="0"/>
-          <a:ext cx="0" cy="0"/>
-          <a:chOff x="0" y="0"/>
-          <a:chExt cx="0" cy="0"/>
-        </a:xfrm>
-      </p:grpSpPr>
-      <p:sp>
-        <p:nvSpPr>
-          <p:cNvPr id="2" name="标题 1"/>
-          <p:cNvSpPr>
-            <a:spLocks noGrp="1"/>
-          </p:cNvSpPr>
-          <p:nvPr>
-            <p:ph type="title"/>
-          </p:nvPr>
-        </p:nvSpPr>
-        <p:spPr/>
-        <p:txBody>
-          <a:bodyPr/>
-          <a:lstStyle/>
-          <a:p>
-            <a:r>
-              <a:rPr lang="zh-CN" altLang="en-US" dirty="0"/>
-              <a:t>查询页（普通用户）</a:t>
-            </a:r>
-          </a:p>
-        </p:txBody>
-      </p:sp>
-      <p:pic>
-        <p:nvPicPr>
-          <p:cNvPr id="4" name="内容占位符 3"/>
-          <p:cNvPicPr>
-            <a:picLocks noGrp="1" noChangeAspect="1"/>
-          </p:cNvPicPr>
-          <p:nvPr>
-            <p:ph idx="1"/>
-          </p:nvPr>
-        </p:nvPicPr>
-        <p:blipFill>
-          <a:blip r:embed="rId2"/>
-          <a:stretch>
-            <a:fillRect/>
-          </a:stretch>
-        </p:blipFill>
-        <p:spPr>
-          <a:xfrm>
-            <a:off x="1639438" y="1825625"/>
-            <a:ext cx="8913124" cy="4351338"/>
-          </a:xfrm>
-          <a:prstGeom prst="rect">
-            <a:avLst/>
-          </a:prstGeom>
-        </p:spPr>
-      </p:pic>
-    </p:spTree>
-    <p:extLst>
-      <p:ext uri="{BB962C8B-B14F-4D97-AF65-F5344CB8AC3E}">
-        <p14:creationId xmlns:p14="http://schemas.microsoft.com/office/powerpoint/2010/main" val="1769779180"/>
-      </p:ext>
-    </p:extLst>
-  </p:cSld>
-  <p:clrMapOvr>
-    <a:masterClrMapping/>
-  </p:clrMapOvr>
-</p:sld>
-</file>
-
-<file path=ppt/slides/slide24.xml><?xml version="1.0" encoding="utf-8"?>
-<p:sld xmlns:a="http://schemas.openxmlformats.org/drawingml/2006/main" xmlns:r="http://schemas.openxmlformats.org/officeDocument/2006/relationships" xmlns:p="http://schemas.openxmlformats.org/presentationml/2006/main">
-  <p:cSld>
-    <p:spTree>
-      <p:nvGrpSpPr>
-        <p:cNvPr id="1" name=""/>
-        <p:cNvGrpSpPr/>
-        <p:nvPr/>
-      </p:nvGrpSpPr>
-      <p:grpSpPr>
-        <a:xfrm>
-          <a:off x="0" y="0"/>
-          <a:ext cx="0" cy="0"/>
-          <a:chOff x="0" y="0"/>
-          <a:chExt cx="0" cy="0"/>
-        </a:xfrm>
-      </p:grpSpPr>
-      <p:sp>
-        <p:nvSpPr>
-          <p:cNvPr id="2" name="标题 1"/>
-          <p:cNvSpPr>
-            <a:spLocks noGrp="1"/>
-          </p:cNvSpPr>
-          <p:nvPr>
-            <p:ph type="title"/>
-          </p:nvPr>
-        </p:nvSpPr>
-        <p:spPr/>
-        <p:txBody>
-          <a:bodyPr/>
-          <a:lstStyle/>
-          <a:p>
-            <a:r>
-              <a:rPr lang="zh-CN" altLang="en-US" dirty="0"/>
-              <a:t>添加页（管理员）</a:t>
-            </a:r>
-          </a:p>
-        </p:txBody>
-      </p:sp>
-      <p:pic>
-        <p:nvPicPr>
-          <p:cNvPr id="4" name="内容占位符 3"/>
-          <p:cNvPicPr>
-            <a:picLocks noGrp="1" noChangeAspect="1"/>
-          </p:cNvPicPr>
-          <p:nvPr>
-            <p:ph idx="1"/>
-          </p:nvPr>
-        </p:nvPicPr>
-        <p:blipFill>
-          <a:blip r:embed="rId2"/>
-          <a:stretch>
-            <a:fillRect/>
-          </a:stretch>
-        </p:blipFill>
-        <p:spPr>
-          <a:xfrm>
-            <a:off x="1639438" y="1825625"/>
-            <a:ext cx="8913124" cy="4351338"/>
-          </a:xfrm>
-          <a:prstGeom prst="rect">
-            <a:avLst/>
-          </a:prstGeom>
-        </p:spPr>
-      </p:pic>
-    </p:spTree>
-    <p:extLst>
-      <p:ext uri="{BB962C8B-B14F-4D97-AF65-F5344CB8AC3E}">
-        <p14:creationId xmlns:p14="http://schemas.microsoft.com/office/powerpoint/2010/main" val="3993349817"/>
-      </p:ext>
-    </p:extLst>
-  </p:cSld>
-  <p:clrMapOvr>
-    <a:masterClrMapping/>
-  </p:clrMapOvr>
-</p:sld>
-</file>
-
-<file path=ppt/slides/slide25.xml><?xml version="1.0" encoding="utf-8"?>
-<p:sld xmlns:a="http://schemas.openxmlformats.org/drawingml/2006/main" xmlns:r="http://schemas.openxmlformats.org/officeDocument/2006/relationships" xmlns:p="http://schemas.openxmlformats.org/presentationml/2006/main">
-  <p:cSld>
-    <p:spTree>
-      <p:nvGrpSpPr>
-        <p:cNvPr id="1" name=""/>
-        <p:cNvGrpSpPr/>
-        <p:nvPr/>
-      </p:nvGrpSpPr>
-      <p:grpSpPr>
-        <a:xfrm>
-          <a:off x="0" y="0"/>
-          <a:ext cx="0" cy="0"/>
-          <a:chOff x="0" y="0"/>
-          <a:chExt cx="0" cy="0"/>
-        </a:xfrm>
-      </p:grpSpPr>
-      <p:sp>
-        <p:nvSpPr>
-          <p:cNvPr id="2" name="标题 1"/>
-          <p:cNvSpPr>
-            <a:spLocks noGrp="1"/>
-          </p:cNvSpPr>
-          <p:nvPr>
-            <p:ph type="title"/>
-          </p:nvPr>
-        </p:nvSpPr>
-        <p:spPr/>
-        <p:txBody>
-          <a:bodyPr/>
-          <a:lstStyle/>
-          <a:p>
-            <a:r>
-              <a:rPr lang="zh-CN" altLang="en-US" dirty="0"/>
-              <a:t>添加页（普通用户）</a:t>
-            </a:r>
-          </a:p>
-        </p:txBody>
-      </p:sp>
-      <p:pic>
-        <p:nvPicPr>
-          <p:cNvPr id="4" name="内容占位符 3"/>
-          <p:cNvPicPr>
-            <a:picLocks noGrp="1" noChangeAspect="1"/>
-          </p:cNvPicPr>
-          <p:nvPr>
-            <p:ph idx="1"/>
-          </p:nvPr>
-        </p:nvPicPr>
-        <p:blipFill>
-          <a:blip r:embed="rId2"/>
-          <a:stretch>
-            <a:fillRect/>
-          </a:stretch>
-        </p:blipFill>
-        <p:spPr>
-          <a:xfrm>
-            <a:off x="1639438" y="1825625"/>
-            <a:ext cx="8913124" cy="4351338"/>
-          </a:xfrm>
-          <a:prstGeom prst="rect">
-            <a:avLst/>
-          </a:prstGeom>
-        </p:spPr>
-      </p:pic>
-    </p:spTree>
-    <p:extLst>
-      <p:ext uri="{BB962C8B-B14F-4D97-AF65-F5344CB8AC3E}">
-        <p14:creationId xmlns:p14="http://schemas.microsoft.com/office/powerpoint/2010/main" val="1619211039"/>
-      </p:ext>
-    </p:extLst>
-  </p:cSld>
-  <p:clrMapOvr>
-    <a:masterClrMapping/>
-  </p:clrMapOvr>
-</p:sld>
-</file>
-
-<file path=ppt/slides/slide26.xml><?xml version="1.0" encoding="utf-8"?>
-<p:sld xmlns:a="http://schemas.openxmlformats.org/drawingml/2006/main" xmlns:r="http://schemas.openxmlformats.org/officeDocument/2006/relationships" xmlns:p="http://schemas.openxmlformats.org/presentationml/2006/main">
-  <p:cSld>
-    <p:spTree>
-      <p:nvGrpSpPr>
-        <p:cNvPr id="1" name=""/>
-        <p:cNvGrpSpPr/>
-        <p:nvPr/>
-      </p:nvGrpSpPr>
-      <p:grpSpPr>
-        <a:xfrm>
-          <a:off x="0" y="0"/>
-          <a:ext cx="0" cy="0"/>
-          <a:chOff x="0" y="0"/>
-          <a:chExt cx="0" cy="0"/>
-        </a:xfrm>
-      </p:grpSpPr>
-      <p:sp>
-        <p:nvSpPr>
-          <p:cNvPr id="2" name="标题 1">
-            <a:extLst>
-              <a:ext uri="{FF2B5EF4-FFF2-40B4-BE49-F238E27FC236}">
-                <a16:creationId xmlns:a16="http://schemas.microsoft.com/office/drawing/2014/main" id="{BF1B26DB-671B-7244-8F98-C5610983D25A}"/>
-              </a:ext>
-            </a:extLst>
-          </p:cNvPr>
-          <p:cNvSpPr>
-            <a:spLocks noGrp="1"/>
-          </p:cNvSpPr>
-          <p:nvPr>
-            <p:ph type="ctrTitle"/>
-          </p:nvPr>
-        </p:nvSpPr>
-        <p:spPr/>
-        <p:txBody>
-          <a:bodyPr/>
-          <a:lstStyle/>
-          <a:p>
-            <a:r>
-              <a:rPr kumimoji="1" lang="en-US" altLang="zh-CN" dirty="0"/>
-              <a:t>4. </a:t>
-            </a:r>
-            <a:r>
-              <a:rPr kumimoji="1" lang="zh-CN" altLang="en-US" dirty="0"/>
-              <a:t>系统展示</a:t>
-            </a:r>
-          </a:p>
-        </p:txBody>
-      </p:sp>
-      <p:sp>
-        <p:nvSpPr>
-          <p:cNvPr id="3" name="副标题 2">
-            <a:extLst>
-              <a:ext uri="{FF2B5EF4-FFF2-40B4-BE49-F238E27FC236}">
-                <a16:creationId xmlns:a16="http://schemas.microsoft.com/office/drawing/2014/main" id="{B69B3B90-3B45-CB47-8136-D5DAF5487962}"/>
-              </a:ext>
-            </a:extLst>
-          </p:cNvPr>
-          <p:cNvSpPr>
-            <a:spLocks noGrp="1"/>
-          </p:cNvSpPr>
-          <p:nvPr>
-            <p:ph type="subTitle" idx="1"/>
-          </p:nvPr>
-        </p:nvSpPr>
-        <p:spPr/>
-        <p:txBody>
-          <a:bodyPr/>
-          <a:lstStyle/>
-          <a:p>
-            <a:endParaRPr kumimoji="1" lang="zh-CN" altLang="en-US" dirty="0"/>
-          </a:p>
-        </p:txBody>
-      </p:sp>
-    </p:spTree>
-    <p:extLst>
-      <p:ext uri="{BB962C8B-B14F-4D97-AF65-F5344CB8AC3E}">
-        <p14:creationId xmlns:p14="http://schemas.microsoft.com/office/powerpoint/2010/main" val="3278635650"/>
-      </p:ext>
-    </p:extLst>
-  </p:cSld>
-  <p:clrMapOvr>
-    <a:masterClrMapping/>
-  </p:clrMapOvr>
-</p:sld>
-</file>
-
-<file path=ppt/slides/slide27.xml><?xml version="1.0" encoding="utf-8"?>
-<p:sld xmlns:a="http://schemas.openxmlformats.org/drawingml/2006/main" xmlns:r="http://schemas.openxmlformats.org/officeDocument/2006/relationships" xmlns:p="http://schemas.openxmlformats.org/presentationml/2006/main">
-  <p:cSld>
-    <p:spTree>
-      <p:nvGrpSpPr>
-        <p:cNvPr id="1" name=""/>
-        <p:cNvGrpSpPr/>
-        <p:nvPr/>
-      </p:nvGrpSpPr>
-      <p:grpSpPr>
-        <a:xfrm>
-          <a:off x="0" y="0"/>
-          <a:ext cx="0" cy="0"/>
-          <a:chOff x="0" y="0"/>
-          <a:chExt cx="0" cy="0"/>
-        </a:xfrm>
-      </p:grpSpPr>
-      <p:sp>
-        <p:nvSpPr>
-          <p:cNvPr id="2" name="标题 1">
-            <a:extLst>
-              <a:ext uri="{FF2B5EF4-FFF2-40B4-BE49-F238E27FC236}">
-                <a16:creationId xmlns:a16="http://schemas.microsoft.com/office/drawing/2014/main" id="{BF1B26DB-671B-7244-8F98-C5610983D25A}"/>
-              </a:ext>
-            </a:extLst>
-          </p:cNvPr>
-          <p:cNvSpPr>
-            <a:spLocks noGrp="1"/>
-          </p:cNvSpPr>
-          <p:nvPr>
-            <p:ph type="ctrTitle"/>
-          </p:nvPr>
-        </p:nvSpPr>
-        <p:spPr/>
-        <p:txBody>
-          <a:bodyPr/>
-          <a:lstStyle/>
-          <a:p>
-            <a:r>
-              <a:rPr kumimoji="1" lang="en-US" altLang="zh-CN" dirty="0"/>
-              <a:t>5. </a:t>
-            </a:r>
-            <a:r>
-              <a:rPr kumimoji="1" lang="zh-CN" altLang="en-US" dirty="0"/>
-              <a:t>收获与体会</a:t>
-            </a:r>
-          </a:p>
-        </p:txBody>
-      </p:sp>
-      <p:sp>
-        <p:nvSpPr>
-          <p:cNvPr id="3" name="副标题 2">
-            <a:extLst>
-              <a:ext uri="{FF2B5EF4-FFF2-40B4-BE49-F238E27FC236}">
-                <a16:creationId xmlns:a16="http://schemas.microsoft.com/office/drawing/2014/main" id="{B69B3B90-3B45-CB47-8136-D5DAF5487962}"/>
-              </a:ext>
-            </a:extLst>
-          </p:cNvPr>
-          <p:cNvSpPr>
-            <a:spLocks noGrp="1"/>
-          </p:cNvSpPr>
-          <p:nvPr>
-            <p:ph type="subTitle" idx="1"/>
-          </p:nvPr>
-        </p:nvSpPr>
-        <p:spPr/>
-        <p:txBody>
-          <a:bodyPr/>
-          <a:lstStyle/>
-          <a:p>
-            <a:endParaRPr kumimoji="1" lang="zh-CN" altLang="en-US" dirty="0"/>
-          </a:p>
-        </p:txBody>
-      </p:sp>
-    </p:spTree>
-    <p:extLst>
-      <p:ext uri="{BB962C8B-B14F-4D97-AF65-F5344CB8AC3E}">
-        <p14:creationId xmlns:p14="http://schemas.microsoft.com/office/powerpoint/2010/main" val="4244377021"/>
-      </p:ext>
-    </p:extLst>
-  </p:cSld>
-  <p:clrMapOvr>
-    <a:masterClrMapping/>
-  </p:clrMapOvr>
-</p:sld>
-</file>
-
-<file path=ppt/slides/slide28.xml><?xml version="1.0" encoding="utf-8"?>
-<p:sld xmlns:a="http://schemas.openxmlformats.org/drawingml/2006/main" xmlns:r="http://schemas.openxmlformats.org/officeDocument/2006/relationships" xmlns:p="http://schemas.openxmlformats.org/presentationml/2006/main">
-  <p:cSld>
-    <p:spTree>
-      <p:nvGrpSpPr>
-        <p:cNvPr id="1" name=""/>
-        <p:cNvGrpSpPr/>
-        <p:nvPr/>
-      </p:nvGrpSpPr>
-      <p:grpSpPr>
-        <a:xfrm>
-          <a:off x="0" y="0"/>
-          <a:ext cx="0" cy="0"/>
-          <a:chOff x="0" y="0"/>
-          <a:chExt cx="0" cy="0"/>
-        </a:xfrm>
-      </p:grpSpPr>
-      <p:sp>
-        <p:nvSpPr>
           <p:cNvPr id="2" name="标题 1">
             <a:extLst>
               <a:ext uri="{FF2B5EF4-FFF2-40B4-BE49-F238E27FC236}">
@@ -6547,7 +5916,7 @@
 </p:sld>
 </file>
 
-<file path=ppt/slides/slide29.xml><?xml version="1.0" encoding="utf-8"?>
+<file path=ppt/slides/slide21.xml><?xml version="1.0" encoding="utf-8"?>
 <p:sld xmlns:a="http://schemas.openxmlformats.org/drawingml/2006/main" xmlns:r="http://schemas.openxmlformats.org/officeDocument/2006/relationships" xmlns:p="http://schemas.openxmlformats.org/presentationml/2006/main">
   <p:cSld>
     <p:spTree>
